--- a/Tidb/ppt/2020_10_tidb.pptx
+++ b/Tidb/ppt/2020_10_tidb.pptx
@@ -5,7 +5,7 @@
     <p:sldMasterId id="2147483648" r:id="rId1"/>
   </p:sldMasterIdLst>
   <p:notesMasterIdLst>
-    <p:notesMasterId r:id="rId25"/>
+    <p:notesMasterId r:id="rId27"/>
   </p:notesMasterIdLst>
   <p:sldIdLst>
     <p:sldId id="409" r:id="rId2"/>
@@ -31,6 +31,8 @@
     <p:sldId id="422" r:id="rId22"/>
     <p:sldId id="452" r:id="rId23"/>
     <p:sldId id="453" r:id="rId24"/>
+    <p:sldId id="454" r:id="rId25"/>
+    <p:sldId id="455" r:id="rId26"/>
   </p:sldIdLst>
   <p:sldSz cx="12192000" cy="6858000"/>
   <p:notesSz cx="6858000" cy="9144000"/>
@@ -221,7 +223,7 @@
             <a:fld id="{D2A48B96-639E-45A3-A0BA-2464DFDB1FAA}" type="datetimeFigureOut">
               <a:rPr lang="zh-CN" altLang="en-US" smtClean="0"/>
               <a:pPr/>
-              <a:t>2020/10/21</a:t>
+              <a:t>2020/10/28</a:t>
             </a:fld>
             <a:endParaRPr lang="zh-CN" altLang="en-US"/>
           </a:p>
@@ -390,7 +392,7 @@
     </p:spTree>
     <p:extLst>
       <p:ext uri="{BB962C8B-B14F-4D97-AF65-F5344CB8AC3E}">
-        <p14:creationId xmlns:p14="http://schemas.microsoft.com/office/powerpoint/2010/main" xmlns="" val="2112363394"/>
+        <p14:creationId xmlns="" xmlns:p14="http://schemas.microsoft.com/office/powerpoint/2010/main" val="2112363394"/>
       </p:ext>
     </p:extLst>
   </p:cSld>
@@ -652,7 +654,7 @@
             <a:fld id="{760FBDFE-C587-4B4C-A407-44438C67B59E}" type="datetimeFigureOut">
               <a:rPr lang="zh-CN" altLang="en-US" smtClean="0"/>
               <a:pPr/>
-              <a:t>2020/10/21</a:t>
+              <a:t>2020/10/28</a:t>
             </a:fld>
             <a:endParaRPr lang="zh-CN" altLang="en-US"/>
           </a:p>
@@ -753,7 +755,7 @@
             <a:fld id="{760FBDFE-C587-4B4C-A407-44438C67B59E}" type="datetimeFigureOut">
               <a:rPr lang="zh-CN" altLang="en-US" smtClean="0"/>
               <a:pPr/>
-              <a:t>2020/10/21</a:t>
+              <a:t>2020/10/28</a:t>
             </a:fld>
             <a:endParaRPr lang="zh-CN" altLang="en-US"/>
           </a:p>
@@ -1000,7 +1002,7 @@
             <a:fld id="{760FBDFE-C587-4B4C-A407-44438C67B59E}" type="datetimeFigureOut">
               <a:rPr lang="zh-CN" altLang="en-US" smtClean="0"/>
               <a:pPr/>
-              <a:t>2020/10/21</a:t>
+              <a:t>2020/10/28</a:t>
             </a:fld>
             <a:endParaRPr lang="zh-CN" altLang="en-US"/>
           </a:p>
@@ -1465,7 +1467,7 @@
             <a:fld id="{760FBDFE-C587-4B4C-A407-44438C67B59E}" type="datetimeFigureOut">
               <a:rPr lang="zh-CN" altLang="en-US" smtClean="0"/>
               <a:pPr/>
-              <a:t>2020/10/21</a:t>
+              <a:t>2020/10/28</a:t>
             </a:fld>
             <a:endParaRPr lang="zh-CN" altLang="en-US"/>
           </a:p>
@@ -1744,7 +1746,7 @@
             <a:fld id="{760FBDFE-C587-4B4C-A407-44438C67B59E}" type="datetimeFigureOut">
               <a:rPr lang="zh-CN" altLang="en-US" smtClean="0"/>
               <a:pPr/>
-              <a:t>2020/10/21</a:t>
+              <a:t>2020/10/28</a:t>
             </a:fld>
             <a:endParaRPr lang="zh-CN" altLang="en-US"/>
           </a:p>
@@ -2259,7 +2261,7 @@
             <a:fld id="{760FBDFE-C587-4B4C-A407-44438C67B59E}" type="datetimeFigureOut">
               <a:rPr lang="zh-CN" altLang="en-US" smtClean="0"/>
               <a:pPr/>
-              <a:t>2020/10/21</a:t>
+              <a:t>2020/10/28</a:t>
             </a:fld>
             <a:endParaRPr lang="zh-CN" altLang="en-US"/>
           </a:p>
@@ -3005,7 +3007,7 @@
             <a:fld id="{760FBDFE-C587-4B4C-A407-44438C67B59E}" type="datetimeFigureOut">
               <a:rPr lang="zh-CN" altLang="en-US" smtClean="0"/>
               <a:pPr/>
-              <a:t>2020/10/21</a:t>
+              <a:t>2020/10/28</a:t>
             </a:fld>
             <a:endParaRPr lang="zh-CN" altLang="en-US"/>
           </a:p>
@@ -3161,7 +3163,7 @@
             <a:fld id="{760FBDFE-C587-4B4C-A407-44438C67B59E}" type="datetimeFigureOut">
               <a:rPr lang="zh-CN" altLang="en-US" smtClean="0"/>
               <a:pPr/>
-              <a:t>2020/10/21</a:t>
+              <a:t>2020/10/28</a:t>
             </a:fld>
             <a:endParaRPr lang="zh-CN" altLang="en-US"/>
           </a:p>
@@ -3262,7 +3264,7 @@
             <a:fld id="{760FBDFE-C587-4B4C-A407-44438C67B59E}" type="datetimeFigureOut">
               <a:rPr lang="zh-CN" altLang="en-US" smtClean="0"/>
               <a:pPr/>
-              <a:t>2020/10/21</a:t>
+              <a:t>2020/10/28</a:t>
             </a:fld>
             <a:endParaRPr lang="zh-CN" altLang="en-US"/>
           </a:p>
@@ -3642,7 +3644,7 @@
             <a:fld id="{9EFD9D74-47D9-4702-A33C-335B63B48DBF}" type="datetimeFigureOut">
               <a:rPr lang="zh-CN" altLang="en-US" smtClean="0"/>
               <a:pPr/>
-              <a:t>2020/10/21</a:t>
+              <a:t>2020/10/28</a:t>
             </a:fld>
             <a:endParaRPr lang="zh-CN" altLang="en-US" dirty="0"/>
           </a:p>
@@ -3991,7 +3993,7 @@
             <a:fld id="{760FBDFE-C587-4B4C-A407-44438C67B59E}" type="datetimeFigureOut">
               <a:rPr lang="zh-CN" altLang="en-US" smtClean="0"/>
               <a:pPr/>
-              <a:t>2020/10/21</a:t>
+              <a:t>2020/10/28</a:t>
             </a:fld>
             <a:endParaRPr lang="zh-CN" altLang="en-US"/>
           </a:p>
@@ -4229,7 +4231,7 @@
             <a:fld id="{760FBDFE-C587-4B4C-A407-44438C67B59E}" type="datetimeFigureOut">
               <a:rPr lang="zh-CN" altLang="en-US" smtClean="0"/>
               <a:pPr/>
-              <a:t>2020/10/21</a:t>
+              <a:t>2020/10/28</a:t>
             </a:fld>
             <a:endParaRPr lang="zh-CN" altLang="en-US"/>
           </a:p>
@@ -6557,6 +6559,181 @@
 </p:sld>
 </file>
 
+<file path=ppt/slides/slide24.xml><?xml version="1.0" encoding="utf-8"?>
+<p:sld xmlns:a="http://schemas.openxmlformats.org/drawingml/2006/main" xmlns:r="http://schemas.openxmlformats.org/officeDocument/2006/relationships" xmlns:p="http://schemas.openxmlformats.org/presentationml/2006/main">
+  <p:cSld>
+    <p:spTree>
+      <p:nvGrpSpPr>
+        <p:cNvPr id="1" name=""/>
+        <p:cNvGrpSpPr/>
+        <p:nvPr/>
+      </p:nvGrpSpPr>
+      <p:grpSpPr>
+        <a:xfrm>
+          <a:off x="0" y="0"/>
+          <a:ext cx="0" cy="0"/>
+          <a:chOff x="0" y="0"/>
+          <a:chExt cx="0" cy="0"/>
+        </a:xfrm>
+      </p:grpSpPr>
+      <p:sp>
+        <p:nvSpPr>
+          <p:cNvPr id="2" name="标题 1"/>
+          <p:cNvSpPr>
+            <a:spLocks noGrp="1"/>
+          </p:cNvSpPr>
+          <p:nvPr>
+            <p:ph type="title"/>
+          </p:nvPr>
+        </p:nvSpPr>
+        <p:spPr/>
+        <p:txBody>
+          <a:bodyPr/>
+          <a:lstStyle/>
+          <a:p>
+            <a:endParaRPr lang="zh-CN" altLang="en-US"/>
+          </a:p>
+        </p:txBody>
+      </p:sp>
+      <p:sp>
+        <p:nvSpPr>
+          <p:cNvPr id="3" name="内容占位符 2"/>
+          <p:cNvSpPr>
+            <a:spLocks noGrp="1"/>
+          </p:cNvSpPr>
+          <p:nvPr>
+            <p:ph idx="1"/>
+          </p:nvPr>
+        </p:nvSpPr>
+        <p:spPr/>
+        <p:txBody>
+          <a:bodyPr/>
+          <a:lstStyle/>
+          <a:p>
+            <a:endParaRPr lang="zh-CN" altLang="en-US"/>
+          </a:p>
+        </p:txBody>
+      </p:sp>
+      <p:pic>
+        <p:nvPicPr>
+          <p:cNvPr id="1026" name="Picture 2"/>
+          <p:cNvPicPr>
+            <a:picLocks noChangeAspect="1" noChangeArrowheads="1"/>
+          </p:cNvPicPr>
+          <p:nvPr/>
+        </p:nvPicPr>
+        <p:blipFill>
+          <a:blip r:embed="rId2"/>
+          <a:srcRect/>
+          <a:stretch>
+            <a:fillRect/>
+          </a:stretch>
+        </p:blipFill>
+        <p:spPr bwMode="auto">
+          <a:xfrm>
+            <a:off x="730716" y="507928"/>
+            <a:ext cx="10854480" cy="5673933"/>
+          </a:xfrm>
+          <a:prstGeom prst="rect">
+            <a:avLst/>
+          </a:prstGeom>
+          <a:noFill/>
+          <a:ln w="9525">
+            <a:noFill/>
+            <a:miter lim="800000"/>
+            <a:headEnd/>
+            <a:tailEnd/>
+          </a:ln>
+          <a:effectLst/>
+        </p:spPr>
+      </p:pic>
+    </p:spTree>
+  </p:cSld>
+  <p:clrMapOvr>
+    <a:masterClrMapping/>
+  </p:clrMapOvr>
+</p:sld>
+</file>
+
+<file path=ppt/slides/slide25.xml><?xml version="1.0" encoding="utf-8"?>
+<p:sld xmlns:a="http://schemas.openxmlformats.org/drawingml/2006/main" xmlns:r="http://schemas.openxmlformats.org/officeDocument/2006/relationships" xmlns:p="http://schemas.openxmlformats.org/presentationml/2006/main">
+  <p:cSld>
+    <p:spTree>
+      <p:nvGrpSpPr>
+        <p:cNvPr id="1" name=""/>
+        <p:cNvGrpSpPr/>
+        <p:nvPr/>
+      </p:nvGrpSpPr>
+      <p:grpSpPr>
+        <a:xfrm>
+          <a:off x="0" y="0"/>
+          <a:ext cx="0" cy="0"/>
+          <a:chOff x="0" y="0"/>
+          <a:chExt cx="0" cy="0"/>
+        </a:xfrm>
+      </p:grpSpPr>
+      <p:sp>
+        <p:nvSpPr>
+          <p:cNvPr id="2" name="标题 1"/>
+          <p:cNvSpPr>
+            <a:spLocks noGrp="1"/>
+          </p:cNvSpPr>
+          <p:nvPr>
+            <p:ph type="title"/>
+          </p:nvPr>
+        </p:nvSpPr>
+        <p:spPr/>
+        <p:txBody>
+          <a:bodyPr>
+            <a:normAutofit/>
+          </a:bodyPr>
+          <a:lstStyle/>
+          <a:p>
+            <a:r>
+              <a:rPr lang="en-US" altLang="zh-CN" smtClean="0"/>
+              <a:t> </a:t>
+            </a:r>
+            <a:r>
+              <a:rPr lang="en-US" altLang="zh-CN" sz="2000" smtClean="0"/>
+              <a:t>issue </a:t>
+            </a:r>
+            <a:r>
+              <a:rPr lang="en-US" sz="2000" smtClean="0">
+                <a:hlinkClick r:id="rId2"/>
+              </a:rPr>
+              <a:t>https://github.com/pingcap/tidb/pull/5178</a:t>
+            </a:r>
+            <a:endParaRPr lang="zh-CN" altLang="en-US" sz="2000"/>
+          </a:p>
+        </p:txBody>
+      </p:sp>
+      <p:sp>
+        <p:nvSpPr>
+          <p:cNvPr id="3" name="内容占位符 2"/>
+          <p:cNvSpPr>
+            <a:spLocks noGrp="1"/>
+          </p:cNvSpPr>
+          <p:nvPr>
+            <p:ph idx="1"/>
+          </p:nvPr>
+        </p:nvSpPr>
+        <p:spPr/>
+        <p:txBody>
+          <a:bodyPr/>
+          <a:lstStyle/>
+          <a:p>
+            <a:endParaRPr lang="zh-CN" altLang="en-US"/>
+          </a:p>
+        </p:txBody>
+      </p:sp>
+    </p:spTree>
+  </p:cSld>
+  <p:clrMapOvr>
+    <a:masterClrMapping/>
+  </p:clrMapOvr>
+</p:sld>
+</file>
+
 <file path=ppt/slides/slide3.xml><?xml version="1.0" encoding="utf-8"?>
 <p:sld xmlns:a="http://schemas.openxmlformats.org/drawingml/2006/main" xmlns:r="http://schemas.openxmlformats.org/officeDocument/2006/relationships" xmlns:p="http://schemas.openxmlformats.org/presentationml/2006/main">
   <p:cSld>
@@ -9279,7 +9456,7 @@
   <a:extraClrSchemeLst/>
   <a:extLst>
     <a:ext uri="{05A4C25C-085E-4340-85A3-A5531E510DB2}">
-      <thm15:themeFamily xmlns="" xmlns:thm15="http://schemas.microsoft.com/office/thememl/2012/main" name="Office Theme" id="{62F939B6-93AF-4DB8-9C6B-D6C7DFDC589F}" vid="{4A3C46E8-61CC-4603-A589-7422A47A8E4A}"/>
+      <thm15:themeFamily xmlns:thm15="http://schemas.microsoft.com/office/thememl/2012/main" xmlns="" name="Office Theme" id="{62F939B6-93AF-4DB8-9C6B-D6C7DFDC589F}" vid="{4A3C46E8-61CC-4603-A589-7422A47A8E4A}"/>
     </a:ext>
   </a:extLst>
 </a:theme>
@@ -9540,7 +9717,7 @@
   <a:extraClrSchemeLst/>
   <a:extLst>
     <a:ext uri="{05A4C25C-085E-4340-85A3-A5531E510DB2}">
-      <thm15:themeFamily xmlns="" xmlns:thm15="http://schemas.microsoft.com/office/thememl/2012/main" name="Office Theme" id="{62F939B6-93AF-4DB8-9C6B-D6C7DFDC589F}" vid="{4A3C46E8-61CC-4603-A589-7422A47A8E4A}"/>
+      <thm15:themeFamily xmlns:thm15="http://schemas.microsoft.com/office/thememl/2012/main" xmlns="" name="Office Theme" id="{62F939B6-93AF-4DB8-9C6B-D6C7DFDC589F}" vid="{4A3C46E8-61CC-4603-A589-7422A47A8E4A}"/>
     </a:ext>
   </a:extLst>
 </a:theme>

--- a/Tidb/ppt/2020_10_tidb.pptx
+++ b/Tidb/ppt/2020_10_tidb.pptx
@@ -5,7 +5,7 @@
     <p:sldMasterId id="2147483648" r:id="rId1"/>
   </p:sldMasterIdLst>
   <p:notesMasterIdLst>
-    <p:notesMasterId r:id="rId27"/>
+    <p:notesMasterId r:id="rId29"/>
   </p:notesMasterIdLst>
   <p:sldIdLst>
     <p:sldId id="409" r:id="rId2"/>
@@ -33,6 +33,8 @@
     <p:sldId id="453" r:id="rId24"/>
     <p:sldId id="454" r:id="rId25"/>
     <p:sldId id="455" r:id="rId26"/>
+    <p:sldId id="456" r:id="rId27"/>
+    <p:sldId id="457" r:id="rId28"/>
   </p:sldIdLst>
   <p:sldSz cx="12192000" cy="6858000"/>
   <p:notesSz cx="6858000" cy="9144000"/>
@@ -223,7 +225,7 @@
             <a:fld id="{D2A48B96-639E-45A3-A0BA-2464DFDB1FAA}" type="datetimeFigureOut">
               <a:rPr lang="zh-CN" altLang="en-US" smtClean="0"/>
               <a:pPr/>
-              <a:t>2020/10/28</a:t>
+              <a:t>2020/10/29</a:t>
             </a:fld>
             <a:endParaRPr lang="zh-CN" altLang="en-US"/>
           </a:p>
@@ -392,7 +394,7 @@
     </p:spTree>
     <p:extLst>
       <p:ext uri="{BB962C8B-B14F-4D97-AF65-F5344CB8AC3E}">
-        <p14:creationId xmlns="" xmlns:p14="http://schemas.microsoft.com/office/powerpoint/2010/main" val="2112363394"/>
+        <p14:creationId xmlns:p14="http://schemas.microsoft.com/office/powerpoint/2010/main" xmlns="" val="2112363394"/>
       </p:ext>
     </p:extLst>
   </p:cSld>
@@ -492,6 +494,168 @@
 </p:notesMaster>
 </file>
 
+<file path=ppt/notesSlides/notesSlide1.xml><?xml version="1.0" encoding="utf-8"?>
+<p:notes xmlns:a="http://schemas.openxmlformats.org/drawingml/2006/main" xmlns:r="http://schemas.openxmlformats.org/officeDocument/2006/relationships" xmlns:p="http://schemas.openxmlformats.org/presentationml/2006/main">
+  <p:cSld>
+    <p:spTree>
+      <p:nvGrpSpPr>
+        <p:cNvPr id="1" name=""/>
+        <p:cNvGrpSpPr/>
+        <p:nvPr/>
+      </p:nvGrpSpPr>
+      <p:grpSpPr>
+        <a:xfrm>
+          <a:off x="0" y="0"/>
+          <a:ext cx="0" cy="0"/>
+          <a:chOff x="0" y="0"/>
+          <a:chExt cx="0" cy="0"/>
+        </a:xfrm>
+      </p:grpSpPr>
+      <p:sp>
+        <p:nvSpPr>
+          <p:cNvPr id="2" name="幻灯片图像占位符 1"/>
+          <p:cNvSpPr>
+            <a:spLocks noGrp="1" noRot="1" noChangeAspect="1"/>
+          </p:cNvSpPr>
+          <p:nvPr>
+            <p:ph type="sldImg"/>
+          </p:nvPr>
+        </p:nvSpPr>
+        <p:spPr/>
+      </p:sp>
+      <p:sp>
+        <p:nvSpPr>
+          <p:cNvPr id="3" name="备注占位符 2"/>
+          <p:cNvSpPr>
+            <a:spLocks noGrp="1"/>
+          </p:cNvSpPr>
+          <p:nvPr>
+            <p:ph type="body" idx="1"/>
+          </p:nvPr>
+        </p:nvSpPr>
+        <p:spPr/>
+        <p:txBody>
+          <a:bodyPr>
+            <a:normAutofit/>
+          </a:bodyPr>
+          <a:lstStyle/>
+          <a:p>
+            <a:pPr marL="0" marR="0" indent="0" algn="l" defTabSz="914400" rtl="0" eaLnBrk="1" fontAlgn="auto" latinLnBrk="0" hangingPunct="1">
+              <a:lnSpc>
+                <a:spcPct val="100000"/>
+              </a:lnSpc>
+              <a:spcBef>
+                <a:spcPts val="0"/>
+              </a:spcBef>
+              <a:spcAft>
+                <a:spcPts val="0"/>
+              </a:spcAft>
+              <a:buClrTx/>
+              <a:buSzTx/>
+              <a:buFontTx/>
+              <a:buNone/>
+              <a:tabLst/>
+              <a:defRPr/>
+            </a:pPr>
+            <a:r>
+              <a:rPr lang="en-US" altLang="zh-CN" sz="1200" b="0" i="0" kern="1200" smtClean="0">
+                <a:solidFill>
+                  <a:schemeClr val="tx1"/>
+                </a:solidFill>
+                <a:latin typeface="+mn-lt"/>
+                <a:ea typeface="+mn-ea"/>
+                <a:cs typeface="+mn-cs"/>
+              </a:rPr>
+              <a:t>TiDB </a:t>
+            </a:r>
+            <a:r>
+              <a:rPr lang="zh-CN" altLang="en-US" sz="1200" b="0" i="0" kern="1200" smtClean="0">
+                <a:solidFill>
+                  <a:schemeClr val="tx1"/>
+                </a:solidFill>
+                <a:latin typeface="+mn-lt"/>
+                <a:ea typeface="+mn-ea"/>
+                <a:cs typeface="+mn-cs"/>
+              </a:rPr>
+              <a:t>源码阅读系列文章（十二）统计信息</a:t>
+            </a:r>
+            <a:r>
+              <a:rPr lang="en-US" altLang="zh-CN" sz="1200" b="0" i="0" kern="1200" smtClean="0">
+                <a:solidFill>
+                  <a:schemeClr val="tx1"/>
+                </a:solidFill>
+                <a:latin typeface="+mn-lt"/>
+                <a:ea typeface="+mn-ea"/>
+                <a:cs typeface="+mn-cs"/>
+              </a:rPr>
+              <a:t>(</a:t>
+            </a:r>
+            <a:r>
+              <a:rPr lang="zh-CN" altLang="en-US" sz="1200" b="0" i="0" kern="1200" smtClean="0">
+                <a:solidFill>
+                  <a:schemeClr val="tx1"/>
+                </a:solidFill>
+                <a:latin typeface="+mn-lt"/>
+                <a:ea typeface="+mn-ea"/>
+                <a:cs typeface="+mn-cs"/>
+              </a:rPr>
+              <a:t>上</a:t>
+            </a:r>
+            <a:r>
+              <a:rPr lang="en-US" altLang="zh-CN" sz="1200" b="0" i="0" kern="1200" smtClean="0">
+                <a:solidFill>
+                  <a:schemeClr val="tx1"/>
+                </a:solidFill>
+                <a:latin typeface="+mn-lt"/>
+                <a:ea typeface="+mn-ea"/>
+                <a:cs typeface="+mn-cs"/>
+              </a:rPr>
+              <a:t>)</a:t>
+            </a:r>
+          </a:p>
+          <a:p>
+            <a:r>
+              <a:rPr lang="en-US" smtClean="0">
+                <a:hlinkClick r:id="rId3"/>
+              </a:rPr>
+              <a:t>https://docs.pingcap.com/zh/tidb/stable/sql-physical-optimization</a:t>
+            </a:r>
+            <a:endParaRPr lang="zh-CN" altLang="en-US"/>
+          </a:p>
+        </p:txBody>
+      </p:sp>
+      <p:sp>
+        <p:nvSpPr>
+          <p:cNvPr id="4" name="灯片编号占位符 3"/>
+          <p:cNvSpPr>
+            <a:spLocks noGrp="1"/>
+          </p:cNvSpPr>
+          <p:nvPr>
+            <p:ph type="sldNum" sz="quarter" idx="10"/>
+          </p:nvPr>
+        </p:nvSpPr>
+        <p:spPr/>
+        <p:txBody>
+          <a:bodyPr/>
+          <a:lstStyle/>
+          <a:p>
+            <a:fld id="{A6837353-30EB-4A48-80EB-173D804AEFBD}" type="slidenum">
+              <a:rPr lang="zh-CN" altLang="en-US" smtClean="0"/>
+              <a:pPr/>
+              <a:t>26</a:t>
+            </a:fld>
+            <a:endParaRPr lang="zh-CN" altLang="en-US"/>
+          </a:p>
+        </p:txBody>
+      </p:sp>
+    </p:spTree>
+  </p:cSld>
+  <p:clrMapOvr>
+    <a:masterClrMapping/>
+  </p:clrMapOvr>
+</p:notes>
+</file>
+
 <file path=ppt/slideLayouts/slideLayout1.xml><?xml version="1.0" encoding="utf-8"?>
 <p:sldLayout xmlns:a="http://schemas.openxmlformats.org/drawingml/2006/main" xmlns:r="http://schemas.openxmlformats.org/officeDocument/2006/relationships" xmlns:p="http://schemas.openxmlformats.org/presentationml/2006/main" type="title" preserve="1">
   <p:cSld name="标题幻灯片">
@@ -654,7 +818,7 @@
             <a:fld id="{760FBDFE-C587-4B4C-A407-44438C67B59E}" type="datetimeFigureOut">
               <a:rPr lang="zh-CN" altLang="en-US" smtClean="0"/>
               <a:pPr/>
-              <a:t>2020/10/28</a:t>
+              <a:t>2020/10/29</a:t>
             </a:fld>
             <a:endParaRPr lang="zh-CN" altLang="en-US"/>
           </a:p>
@@ -755,7 +919,7 @@
             <a:fld id="{760FBDFE-C587-4B4C-A407-44438C67B59E}" type="datetimeFigureOut">
               <a:rPr lang="zh-CN" altLang="en-US" smtClean="0"/>
               <a:pPr/>
-              <a:t>2020/10/28</a:t>
+              <a:t>2020/10/29</a:t>
             </a:fld>
             <a:endParaRPr lang="zh-CN" altLang="en-US"/>
           </a:p>
@@ -1002,7 +1166,7 @@
             <a:fld id="{760FBDFE-C587-4B4C-A407-44438C67B59E}" type="datetimeFigureOut">
               <a:rPr lang="zh-CN" altLang="en-US" smtClean="0"/>
               <a:pPr/>
-              <a:t>2020/10/28</a:t>
+              <a:t>2020/10/29</a:t>
             </a:fld>
             <a:endParaRPr lang="zh-CN" altLang="en-US"/>
           </a:p>
@@ -1467,7 +1631,7 @@
             <a:fld id="{760FBDFE-C587-4B4C-A407-44438C67B59E}" type="datetimeFigureOut">
               <a:rPr lang="zh-CN" altLang="en-US" smtClean="0"/>
               <a:pPr/>
-              <a:t>2020/10/28</a:t>
+              <a:t>2020/10/29</a:t>
             </a:fld>
             <a:endParaRPr lang="zh-CN" altLang="en-US"/>
           </a:p>
@@ -1746,7 +1910,7 @@
             <a:fld id="{760FBDFE-C587-4B4C-A407-44438C67B59E}" type="datetimeFigureOut">
               <a:rPr lang="zh-CN" altLang="en-US" smtClean="0"/>
               <a:pPr/>
-              <a:t>2020/10/28</a:t>
+              <a:t>2020/10/29</a:t>
             </a:fld>
             <a:endParaRPr lang="zh-CN" altLang="en-US"/>
           </a:p>
@@ -2261,7 +2425,7 @@
             <a:fld id="{760FBDFE-C587-4B4C-A407-44438C67B59E}" type="datetimeFigureOut">
               <a:rPr lang="zh-CN" altLang="en-US" smtClean="0"/>
               <a:pPr/>
-              <a:t>2020/10/28</a:t>
+              <a:t>2020/10/29</a:t>
             </a:fld>
             <a:endParaRPr lang="zh-CN" altLang="en-US"/>
           </a:p>
@@ -3007,7 +3171,7 @@
             <a:fld id="{760FBDFE-C587-4B4C-A407-44438C67B59E}" type="datetimeFigureOut">
               <a:rPr lang="zh-CN" altLang="en-US" smtClean="0"/>
               <a:pPr/>
-              <a:t>2020/10/28</a:t>
+              <a:t>2020/10/29</a:t>
             </a:fld>
             <a:endParaRPr lang="zh-CN" altLang="en-US"/>
           </a:p>
@@ -3163,7 +3327,7 @@
             <a:fld id="{760FBDFE-C587-4B4C-A407-44438C67B59E}" type="datetimeFigureOut">
               <a:rPr lang="zh-CN" altLang="en-US" smtClean="0"/>
               <a:pPr/>
-              <a:t>2020/10/28</a:t>
+              <a:t>2020/10/29</a:t>
             </a:fld>
             <a:endParaRPr lang="zh-CN" altLang="en-US"/>
           </a:p>
@@ -3264,7 +3428,7 @@
             <a:fld id="{760FBDFE-C587-4B4C-A407-44438C67B59E}" type="datetimeFigureOut">
               <a:rPr lang="zh-CN" altLang="en-US" smtClean="0"/>
               <a:pPr/>
-              <a:t>2020/10/28</a:t>
+              <a:t>2020/10/29</a:t>
             </a:fld>
             <a:endParaRPr lang="zh-CN" altLang="en-US"/>
           </a:p>
@@ -3644,7 +3808,7 @@
             <a:fld id="{9EFD9D74-47D9-4702-A33C-335B63B48DBF}" type="datetimeFigureOut">
               <a:rPr lang="zh-CN" altLang="en-US" smtClean="0"/>
               <a:pPr/>
-              <a:t>2020/10/28</a:t>
+              <a:t>2020/10/29</a:t>
             </a:fld>
             <a:endParaRPr lang="zh-CN" altLang="en-US" dirty="0"/>
           </a:p>
@@ -3993,7 +4157,7 @@
             <a:fld id="{760FBDFE-C587-4B4C-A407-44438C67B59E}" type="datetimeFigureOut">
               <a:rPr lang="zh-CN" altLang="en-US" smtClean="0"/>
               <a:pPr/>
-              <a:t>2020/10/28</a:t>
+              <a:t>2020/10/29</a:t>
             </a:fld>
             <a:endParaRPr lang="zh-CN" altLang="en-US"/>
           </a:p>
@@ -4231,7 +4395,7 @@
             <a:fld id="{760FBDFE-C587-4B4C-A407-44438C67B59E}" type="datetimeFigureOut">
               <a:rPr lang="zh-CN" altLang="en-US" smtClean="0"/>
               <a:pPr/>
-              <a:t>2020/10/28</a:t>
+              <a:t>2020/10/29</a:t>
             </a:fld>
             <a:endParaRPr lang="zh-CN" altLang="en-US"/>
           </a:p>
@@ -6734,6 +6898,332 @@
 </p:sld>
 </file>
 
+<file path=ppt/slides/slide26.xml><?xml version="1.0" encoding="utf-8"?>
+<p:sld xmlns:a="http://schemas.openxmlformats.org/drawingml/2006/main" xmlns:r="http://schemas.openxmlformats.org/officeDocument/2006/relationships" xmlns:p="http://schemas.openxmlformats.org/presentationml/2006/main">
+  <p:cSld>
+    <p:spTree>
+      <p:nvGrpSpPr>
+        <p:cNvPr id="1" name=""/>
+        <p:cNvGrpSpPr/>
+        <p:nvPr/>
+      </p:nvGrpSpPr>
+      <p:grpSpPr>
+        <a:xfrm>
+          <a:off x="0" y="0"/>
+          <a:ext cx="0" cy="0"/>
+          <a:chOff x="0" y="0"/>
+          <a:chExt cx="0" cy="0"/>
+        </a:xfrm>
+      </p:grpSpPr>
+      <p:sp>
+        <p:nvSpPr>
+          <p:cNvPr id="2" name="标题 1"/>
+          <p:cNvSpPr>
+            <a:spLocks noGrp="1"/>
+          </p:cNvSpPr>
+          <p:nvPr>
+            <p:ph type="title"/>
+          </p:nvPr>
+        </p:nvSpPr>
+        <p:spPr/>
+        <p:txBody>
+          <a:bodyPr>
+            <a:normAutofit fontScale="90000"/>
+          </a:bodyPr>
+          <a:lstStyle/>
+          <a:p>
+            <a:r>
+              <a:rPr lang="en-US" altLang="zh-CN" smtClean="0"/>
+              <a:t> </a:t>
+            </a:r>
+            <a:r>
+              <a:rPr lang="en-US" smtClean="0"/>
+              <a:t>Lesson 06：Planner </a:t>
+            </a:r>
+            <a:r>
+              <a:rPr smtClean="0"/>
+              <a:t>性能优化</a:t>
+            </a:r>
+            <a:br>
+              <a:rPr smtClean="0"/>
+            </a:br>
+            <a:endParaRPr lang="zh-CN" altLang="en-US"/>
+          </a:p>
+        </p:txBody>
+      </p:sp>
+      <p:sp>
+        <p:nvSpPr>
+          <p:cNvPr id="3" name="内容占位符 2"/>
+          <p:cNvSpPr>
+            <a:spLocks noGrp="1"/>
+          </p:cNvSpPr>
+          <p:nvPr>
+            <p:ph idx="1"/>
+          </p:nvPr>
+        </p:nvSpPr>
+        <p:spPr/>
+        <p:txBody>
+          <a:bodyPr>
+            <a:normAutofit lnSpcReduction="10000"/>
+          </a:bodyPr>
+          <a:lstStyle/>
+          <a:p>
+            <a:pPr>
+              <a:buFont typeface="Wingdings" pitchFamily="2" charset="2"/>
+              <a:buChar char="p"/>
+            </a:pPr>
+            <a:r>
+              <a:rPr lang="en-US" smtClean="0">
+                <a:hlinkClick r:id="rId3"/>
+              </a:rPr>
+              <a:t>https://pingcap.com/blog-cn/tidb-source-code-reading-6</a:t>
+            </a:r>
+            <a:r>
+              <a:rPr lang="en-US" smtClean="0">
+                <a:hlinkClick r:id="rId3"/>
+              </a:rPr>
+              <a:t>/</a:t>
+            </a:r>
+            <a:endParaRPr lang="en-US" altLang="zh-CN" smtClean="0"/>
+          </a:p>
+          <a:p>
+            <a:pPr>
+              <a:buNone/>
+            </a:pPr>
+            <a:r>
+              <a:rPr lang="en-US" smtClean="0"/>
+              <a:t>Lesson 06：Planner </a:t>
+            </a:r>
+            <a:r>
+              <a:rPr smtClean="0"/>
+              <a:t>性能优化</a:t>
+            </a:r>
+            <a:endParaRPr lang="en-US" smtClean="0"/>
+          </a:p>
+          <a:p>
+            <a:pPr>
+              <a:buNone/>
+            </a:pPr>
+            <a:r>
+              <a:rPr smtClean="0"/>
+              <a:t> 和</a:t>
+            </a:r>
+            <a:endParaRPr lang="en-US" smtClean="0"/>
+          </a:p>
+          <a:p>
+            <a:pPr>
+              <a:buNone/>
+            </a:pPr>
+            <a:r>
+              <a:rPr lang="en-US" smtClean="0"/>
+              <a:t>Lesson </a:t>
+            </a:r>
+            <a:r>
+              <a:rPr lang="en-US" smtClean="0"/>
+              <a:t>08：Coprocessor </a:t>
+            </a:r>
+            <a:r>
+              <a:rPr smtClean="0"/>
+              <a:t>下推计</a:t>
+            </a:r>
+            <a:r>
+              <a:rPr smtClean="0"/>
+              <a:t>。</a:t>
+            </a:r>
+            <a:endParaRPr lang="en-US" smtClean="0"/>
+          </a:p>
+          <a:p>
+            <a:pPr>
+              <a:buNone/>
+            </a:pPr>
+            <a:r>
+              <a:rPr smtClean="0"/>
+              <a:t>需要结合例子</a:t>
+            </a:r>
+            <a:r>
+              <a:rPr smtClean="0"/>
+              <a:t>。直接看视频也不得要领。这周拿下这</a:t>
+            </a:r>
+            <a:r>
+              <a:rPr lang="en-US" altLang="zh-CN" smtClean="0"/>
+              <a:t>2</a:t>
+            </a:r>
+            <a:r>
+              <a:rPr smtClean="0"/>
+              <a:t>个视频</a:t>
+            </a:r>
+            <a:endParaRPr lang="en-US" smtClean="0"/>
+          </a:p>
+          <a:p>
+            <a:pPr>
+              <a:buNone/>
+            </a:pPr>
+            <a:endParaRPr lang="en-US" smtClean="0"/>
+          </a:p>
+          <a:p>
+            <a:pPr>
+              <a:buNone/>
+            </a:pPr>
+            <a:r>
+              <a:rPr lang="en-US" smtClean="0">
+                <a:hlinkClick r:id="rId4"/>
+              </a:rPr>
+              <a:t>https://</a:t>
+            </a:r>
+            <a:r>
+              <a:rPr lang="en-US" smtClean="0">
+                <a:hlinkClick r:id="rId4"/>
+              </a:rPr>
+              <a:t>docs.qq.com/sheet/DSlBwS3VCb01kTnZw?tab=BB08J2</a:t>
+            </a:r>
+            <a:endParaRPr lang="en-US" smtClean="0"/>
+          </a:p>
+          <a:p>
+            <a:pPr>
+              <a:buNone/>
+            </a:pPr>
+            <a:endParaRPr lang="en-US" smtClean="0"/>
+          </a:p>
+          <a:p>
+            <a:pPr>
+              <a:buNone/>
+            </a:pPr>
+            <a:r>
+              <a:rPr lang="en-US" smtClean="0">
+                <a:hlinkClick r:id="rId5"/>
+              </a:rPr>
+              <a:t>https://www.bilibili.com/video/av56138440</a:t>
+            </a:r>
+            <a:r>
+              <a:rPr lang="en-US" smtClean="0">
+                <a:hlinkClick r:id="rId5"/>
+              </a:rPr>
+              <a:t>/</a:t>
+            </a:r>
+            <a:endParaRPr lang="en-US" smtClean="0"/>
+          </a:p>
+          <a:p>
+            <a:pPr>
+              <a:buNone/>
+            </a:pPr>
+            <a:r>
+              <a:rPr lang="en-US" smtClean="0">
+                <a:hlinkClick r:id="rId6"/>
+              </a:rPr>
+              <a:t>Go</a:t>
+            </a:r>
+            <a:r>
+              <a:rPr smtClean="0">
+                <a:hlinkClick r:id="rId6"/>
+              </a:rPr>
+              <a:t>夜读</a:t>
+            </a:r>
+            <a:r>
+              <a:rPr smtClean="0"/>
+              <a:t> 第 </a:t>
+            </a:r>
+            <a:r>
+              <a:rPr lang="en-US" altLang="zh-CN" smtClean="0"/>
+              <a:t>47 </a:t>
+            </a:r>
+            <a:r>
+              <a:rPr smtClean="0"/>
+              <a:t>期 </a:t>
+            </a:r>
+            <a:r>
+              <a:rPr lang="en-US" smtClean="0"/>
+              <a:t>TiDB </a:t>
+            </a:r>
+            <a:r>
+              <a:rPr smtClean="0"/>
+              <a:t>源码阅读之 </a:t>
+            </a:r>
+            <a:r>
+              <a:rPr lang="en-US" smtClean="0"/>
+              <a:t>Executor</a:t>
+            </a:r>
+          </a:p>
+        </p:txBody>
+      </p:sp>
+    </p:spTree>
+  </p:cSld>
+  <p:clrMapOvr>
+    <a:masterClrMapping/>
+  </p:clrMapOvr>
+</p:sld>
+</file>
+
+<file path=ppt/slides/slide27.xml><?xml version="1.0" encoding="utf-8"?>
+<p:sld xmlns:a="http://schemas.openxmlformats.org/drawingml/2006/main" xmlns:r="http://schemas.openxmlformats.org/officeDocument/2006/relationships" xmlns:p="http://schemas.openxmlformats.org/presentationml/2006/main">
+  <p:cSld>
+    <p:spTree>
+      <p:nvGrpSpPr>
+        <p:cNvPr id="1" name=""/>
+        <p:cNvGrpSpPr/>
+        <p:nvPr/>
+      </p:nvGrpSpPr>
+      <p:grpSpPr>
+        <a:xfrm>
+          <a:off x="0" y="0"/>
+          <a:ext cx="0" cy="0"/>
+          <a:chOff x="0" y="0"/>
+          <a:chExt cx="0" cy="0"/>
+        </a:xfrm>
+      </p:grpSpPr>
+      <p:sp>
+        <p:nvSpPr>
+          <p:cNvPr id="2" name="标题 1"/>
+          <p:cNvSpPr>
+            <a:spLocks noGrp="1"/>
+          </p:cNvSpPr>
+          <p:nvPr>
+            <p:ph type="title"/>
+          </p:nvPr>
+        </p:nvSpPr>
+        <p:spPr/>
+        <p:txBody>
+          <a:bodyPr/>
+          <a:lstStyle/>
+          <a:p>
+            <a:r>
+              <a:rPr lang="en-US" b="0" smtClean="0"/>
+              <a:t>func (c *Compiler) Compile</a:t>
+            </a:r>
+            <a:endParaRPr lang="zh-CN" altLang="en-US"/>
+          </a:p>
+        </p:txBody>
+      </p:sp>
+      <p:sp>
+        <p:nvSpPr>
+          <p:cNvPr id="3" name="内容占位符 2"/>
+          <p:cNvSpPr>
+            <a:spLocks noGrp="1"/>
+          </p:cNvSpPr>
+          <p:nvPr>
+            <p:ph idx="1"/>
+          </p:nvPr>
+        </p:nvSpPr>
+        <p:spPr/>
+        <p:txBody>
+          <a:bodyPr/>
+          <a:lstStyle/>
+          <a:p>
+            <a:r>
+              <a:rPr lang="en-US" smtClean="0"/>
+              <a:t>Compile compiles an ast.StmtNode to a physical plan.</a:t>
+            </a:r>
+            <a:endParaRPr lang="zh-CN" altLang="en-US"/>
+          </a:p>
+        </p:txBody>
+      </p:sp>
+    </p:spTree>
+  </p:cSld>
+  <p:clrMapOvr>
+    <a:masterClrMapping/>
+  </p:clrMapOvr>
+</p:sld>
+</file>
+
 <file path=ppt/slides/slide3.xml><?xml version="1.0" encoding="utf-8"?>
 <p:sld xmlns:a="http://schemas.openxmlformats.org/drawingml/2006/main" xmlns:r="http://schemas.openxmlformats.org/officeDocument/2006/relationships" xmlns:p="http://schemas.openxmlformats.org/presentationml/2006/main">
   <p:cSld>
@@ -9456,7 +9946,7 @@
   <a:extraClrSchemeLst/>
   <a:extLst>
     <a:ext uri="{05A4C25C-085E-4340-85A3-A5531E510DB2}">
-      <thm15:themeFamily xmlns:thm15="http://schemas.microsoft.com/office/thememl/2012/main" xmlns="" name="Office Theme" id="{62F939B6-93AF-4DB8-9C6B-D6C7DFDC589F}" vid="{4A3C46E8-61CC-4603-A589-7422A47A8E4A}"/>
+      <thm15:themeFamily xmlns="" xmlns:thm15="http://schemas.microsoft.com/office/thememl/2012/main" name="Office Theme" id="{62F939B6-93AF-4DB8-9C6B-D6C7DFDC589F}" vid="{4A3C46E8-61CC-4603-A589-7422A47A8E4A}"/>
     </a:ext>
   </a:extLst>
 </a:theme>
@@ -9717,7 +10207,7 @@
   <a:extraClrSchemeLst/>
   <a:extLst>
     <a:ext uri="{05A4C25C-085E-4340-85A3-A5531E510DB2}">
-      <thm15:themeFamily xmlns:thm15="http://schemas.microsoft.com/office/thememl/2012/main" xmlns="" name="Office Theme" id="{62F939B6-93AF-4DB8-9C6B-D6C7DFDC589F}" vid="{4A3C46E8-61CC-4603-A589-7422A47A8E4A}"/>
+      <thm15:themeFamily xmlns="" xmlns:thm15="http://schemas.microsoft.com/office/thememl/2012/main" name="Office Theme" id="{62F939B6-93AF-4DB8-9C6B-D6C7DFDC589F}" vid="{4A3C46E8-61CC-4603-A589-7422A47A8E4A}"/>
     </a:ext>
   </a:extLst>
 </a:theme>
